--- a/Presentation.pptx
+++ b/Presentation.pptx
@@ -5,7 +5,7 @@
     <p:sldMasterId id="2147483659" r:id="rId1"/>
   </p:sldMasterIdLst>
   <p:notesMasterIdLst>
-    <p:notesMasterId r:id="rId15"/>
+    <p:notesMasterId r:id="rId20"/>
   </p:notesMasterIdLst>
   <p:sldIdLst>
     <p:sldId id="256" r:id="rId2"/>
@@ -21,6 +21,11 @@
     <p:sldId id="320" r:id="rId12"/>
     <p:sldId id="321" r:id="rId13"/>
     <p:sldId id="322" r:id="rId14"/>
+    <p:sldId id="325" r:id="rId15"/>
+    <p:sldId id="326" r:id="rId16"/>
+    <p:sldId id="327" r:id="rId17"/>
+    <p:sldId id="329" r:id="rId18"/>
+    <p:sldId id="330" r:id="rId19"/>
   </p:sldIdLst>
   <p:sldSz cx="9144000" cy="6858000" type="screen4x3"/>
   <p:notesSz cx="6858000" cy="9144000"/>
@@ -2134,6 +2139,781 @@
     <p:extLst>
       <p:ext uri="{BB962C8B-B14F-4D97-AF65-F5344CB8AC3E}">
         <p14:creationId xmlns:p14="http://schemas.microsoft.com/office/powerpoint/2010/main" val="2171044962"/>
+      </p:ext>
+    </p:extLst>
+  </p:cSld>
+  <p:clrMapOvr>
+    <a:masterClrMapping/>
+  </p:clrMapOvr>
+</p:notes>
+</file>
+
+<file path=ppt/notesSlides/notesSlide14.xml><?xml version="1.0" encoding="utf-8"?>
+<p:notes xmlns:a="http://schemas.openxmlformats.org/drawingml/2006/main" xmlns:r="http://schemas.openxmlformats.org/officeDocument/2006/relationships" xmlns:p="http://schemas.openxmlformats.org/presentationml/2006/main" showMasterSp="0" showMasterPhAnim="0">
+  <p:cSld>
+    <p:spTree>
+      <p:nvGrpSpPr>
+        <p:cNvPr id="1" name="Shape 571"/>
+        <p:cNvGrpSpPr/>
+        <p:nvPr/>
+      </p:nvGrpSpPr>
+      <p:grpSpPr>
+        <a:xfrm>
+          <a:off x="0" y="0"/>
+          <a:ext cx="0" cy="0"/>
+          <a:chOff x="0" y="0"/>
+          <a:chExt cx="0" cy="0"/>
+        </a:xfrm>
+      </p:grpSpPr>
+      <p:sp>
+        <p:nvSpPr>
+          <p:cNvPr id="572" name="Google Shape;572;g633ac59676_1_134:notes"/>
+          <p:cNvSpPr>
+            <a:spLocks noGrp="1" noRot="1" noChangeAspect="1"/>
+          </p:cNvSpPr>
+          <p:nvPr>
+            <p:ph type="sldImg" idx="2"/>
+          </p:nvPr>
+        </p:nvSpPr>
+        <p:spPr>
+          <a:xfrm>
+            <a:off x="1371600" y="1143000"/>
+            <a:ext cx="4114800" cy="3086100"/>
+          </a:xfrm>
+          <a:custGeom>
+            <a:avLst/>
+            <a:gdLst/>
+            <a:ahLst/>
+            <a:cxnLst/>
+            <a:rect l="l" t="t" r="r" b="b"/>
+            <a:pathLst>
+              <a:path w="120000" h="120000" extrusionOk="0">
+                <a:moveTo>
+                  <a:pt x="0" y="0"/>
+                </a:moveTo>
+                <a:lnTo>
+                  <a:pt x="120000" y="0"/>
+                </a:lnTo>
+                <a:lnTo>
+                  <a:pt x="120000" y="120000"/>
+                </a:lnTo>
+                <a:lnTo>
+                  <a:pt x="0" y="120000"/>
+                </a:lnTo>
+                <a:close/>
+              </a:path>
+            </a:pathLst>
+          </a:custGeom>
+        </p:spPr>
+      </p:sp>
+      <p:sp>
+        <p:nvSpPr>
+          <p:cNvPr id="573" name="Google Shape;573;g633ac59676_1_134:notes"/>
+          <p:cNvSpPr txBox="1">
+            <a:spLocks noGrp="1"/>
+          </p:cNvSpPr>
+          <p:nvPr>
+            <p:ph type="body" idx="1"/>
+          </p:nvPr>
+        </p:nvSpPr>
+        <p:spPr>
+          <a:xfrm>
+            <a:off x="685800" y="4400550"/>
+            <a:ext cx="5486400" cy="3600600"/>
+          </a:xfrm>
+          <a:prstGeom prst="rect">
+            <a:avLst/>
+          </a:prstGeom>
+        </p:spPr>
+        <p:txBody>
+          <a:bodyPr spcFirstLastPara="1" wrap="square" lIns="91425" tIns="45700" rIns="91425" bIns="45700" anchor="t" anchorCtr="0">
+            <a:noAutofit/>
+          </a:bodyPr>
+          <a:lstStyle/>
+          <a:p>
+            <a:pPr marL="0" lvl="0" indent="0" algn="l" rtl="0">
+              <a:spcBef>
+                <a:spcPts val="0"/>
+              </a:spcBef>
+              <a:spcAft>
+                <a:spcPts val="0"/>
+              </a:spcAft>
+              <a:buNone/>
+            </a:pPr>
+            <a:endParaRPr/>
+          </a:p>
+        </p:txBody>
+      </p:sp>
+      <p:sp>
+        <p:nvSpPr>
+          <p:cNvPr id="574" name="Google Shape;574;g633ac59676_1_134:notes"/>
+          <p:cNvSpPr txBox="1">
+            <a:spLocks noGrp="1"/>
+          </p:cNvSpPr>
+          <p:nvPr>
+            <p:ph type="sldNum" idx="12"/>
+          </p:nvPr>
+        </p:nvSpPr>
+        <p:spPr>
+          <a:xfrm>
+            <a:off x="3884613" y="8685213"/>
+            <a:ext cx="2971800" cy="458700"/>
+          </a:xfrm>
+          <a:prstGeom prst="rect">
+            <a:avLst/>
+          </a:prstGeom>
+        </p:spPr>
+        <p:txBody>
+          <a:bodyPr spcFirstLastPara="1" wrap="square" lIns="91425" tIns="45700" rIns="91425" bIns="45700" anchor="b" anchorCtr="0">
+            <a:noAutofit/>
+          </a:bodyPr>
+          <a:lstStyle/>
+          <a:p>
+            <a:pPr marL="0" lvl="0" indent="0" algn="r" rtl="0">
+              <a:spcBef>
+                <a:spcPts val="0"/>
+              </a:spcBef>
+              <a:spcAft>
+                <a:spcPts val="0"/>
+              </a:spcAft>
+              <a:buClr>
+                <a:srgbClr val="000000"/>
+              </a:buClr>
+              <a:buFont typeface="Arial"/>
+              <a:buNone/>
+            </a:pPr>
+            <a:fld id="{00000000-1234-1234-1234-123412341234}" type="slidenum">
+              <a:rPr lang="en-CA"/>
+              <a:t>14</a:t>
+            </a:fld>
+            <a:endParaRPr/>
+          </a:p>
+        </p:txBody>
+      </p:sp>
+    </p:spTree>
+    <p:extLst>
+      <p:ext uri="{BB962C8B-B14F-4D97-AF65-F5344CB8AC3E}">
+        <p14:creationId xmlns:p14="http://schemas.microsoft.com/office/powerpoint/2010/main" val="3107854766"/>
+      </p:ext>
+    </p:extLst>
+  </p:cSld>
+  <p:clrMapOvr>
+    <a:masterClrMapping/>
+  </p:clrMapOvr>
+</p:notes>
+</file>
+
+<file path=ppt/notesSlides/notesSlide15.xml><?xml version="1.0" encoding="utf-8"?>
+<p:notes xmlns:a="http://schemas.openxmlformats.org/drawingml/2006/main" xmlns:r="http://schemas.openxmlformats.org/officeDocument/2006/relationships" xmlns:p="http://schemas.openxmlformats.org/presentationml/2006/main" showMasterSp="0" showMasterPhAnim="0">
+  <p:cSld>
+    <p:spTree>
+      <p:nvGrpSpPr>
+        <p:cNvPr id="1" name="Shape 571"/>
+        <p:cNvGrpSpPr/>
+        <p:nvPr/>
+      </p:nvGrpSpPr>
+      <p:grpSpPr>
+        <a:xfrm>
+          <a:off x="0" y="0"/>
+          <a:ext cx="0" cy="0"/>
+          <a:chOff x="0" y="0"/>
+          <a:chExt cx="0" cy="0"/>
+        </a:xfrm>
+      </p:grpSpPr>
+      <p:sp>
+        <p:nvSpPr>
+          <p:cNvPr id="572" name="Google Shape;572;g633ac59676_1_134:notes"/>
+          <p:cNvSpPr>
+            <a:spLocks noGrp="1" noRot="1" noChangeAspect="1"/>
+          </p:cNvSpPr>
+          <p:nvPr>
+            <p:ph type="sldImg" idx="2"/>
+          </p:nvPr>
+        </p:nvSpPr>
+        <p:spPr>
+          <a:xfrm>
+            <a:off x="1371600" y="1143000"/>
+            <a:ext cx="4114800" cy="3086100"/>
+          </a:xfrm>
+          <a:custGeom>
+            <a:avLst/>
+            <a:gdLst/>
+            <a:ahLst/>
+            <a:cxnLst/>
+            <a:rect l="l" t="t" r="r" b="b"/>
+            <a:pathLst>
+              <a:path w="120000" h="120000" extrusionOk="0">
+                <a:moveTo>
+                  <a:pt x="0" y="0"/>
+                </a:moveTo>
+                <a:lnTo>
+                  <a:pt x="120000" y="0"/>
+                </a:lnTo>
+                <a:lnTo>
+                  <a:pt x="120000" y="120000"/>
+                </a:lnTo>
+                <a:lnTo>
+                  <a:pt x="0" y="120000"/>
+                </a:lnTo>
+                <a:close/>
+              </a:path>
+            </a:pathLst>
+          </a:custGeom>
+        </p:spPr>
+      </p:sp>
+      <p:sp>
+        <p:nvSpPr>
+          <p:cNvPr id="573" name="Google Shape;573;g633ac59676_1_134:notes"/>
+          <p:cNvSpPr txBox="1">
+            <a:spLocks noGrp="1"/>
+          </p:cNvSpPr>
+          <p:nvPr>
+            <p:ph type="body" idx="1"/>
+          </p:nvPr>
+        </p:nvSpPr>
+        <p:spPr>
+          <a:xfrm>
+            <a:off x="685800" y="4400550"/>
+            <a:ext cx="5486400" cy="3600600"/>
+          </a:xfrm>
+          <a:prstGeom prst="rect">
+            <a:avLst/>
+          </a:prstGeom>
+        </p:spPr>
+        <p:txBody>
+          <a:bodyPr spcFirstLastPara="1" wrap="square" lIns="91425" tIns="45700" rIns="91425" bIns="45700" anchor="t" anchorCtr="0">
+            <a:noAutofit/>
+          </a:bodyPr>
+          <a:lstStyle/>
+          <a:p>
+            <a:pPr marL="0" lvl="0" indent="0" algn="l" rtl="0">
+              <a:spcBef>
+                <a:spcPts val="0"/>
+              </a:spcBef>
+              <a:spcAft>
+                <a:spcPts val="0"/>
+              </a:spcAft>
+              <a:buNone/>
+            </a:pPr>
+            <a:endParaRPr/>
+          </a:p>
+        </p:txBody>
+      </p:sp>
+      <p:sp>
+        <p:nvSpPr>
+          <p:cNvPr id="574" name="Google Shape;574;g633ac59676_1_134:notes"/>
+          <p:cNvSpPr txBox="1">
+            <a:spLocks noGrp="1"/>
+          </p:cNvSpPr>
+          <p:nvPr>
+            <p:ph type="sldNum" idx="12"/>
+          </p:nvPr>
+        </p:nvSpPr>
+        <p:spPr>
+          <a:xfrm>
+            <a:off x="3884613" y="8685213"/>
+            <a:ext cx="2971800" cy="458700"/>
+          </a:xfrm>
+          <a:prstGeom prst="rect">
+            <a:avLst/>
+          </a:prstGeom>
+        </p:spPr>
+        <p:txBody>
+          <a:bodyPr spcFirstLastPara="1" wrap="square" lIns="91425" tIns="45700" rIns="91425" bIns="45700" anchor="b" anchorCtr="0">
+            <a:noAutofit/>
+          </a:bodyPr>
+          <a:lstStyle/>
+          <a:p>
+            <a:pPr marL="0" lvl="0" indent="0" algn="r" rtl="0">
+              <a:spcBef>
+                <a:spcPts val="0"/>
+              </a:spcBef>
+              <a:spcAft>
+                <a:spcPts val="0"/>
+              </a:spcAft>
+              <a:buClr>
+                <a:srgbClr val="000000"/>
+              </a:buClr>
+              <a:buFont typeface="Arial"/>
+              <a:buNone/>
+            </a:pPr>
+            <a:fld id="{00000000-1234-1234-1234-123412341234}" type="slidenum">
+              <a:rPr lang="en-CA"/>
+              <a:t>15</a:t>
+            </a:fld>
+            <a:endParaRPr/>
+          </a:p>
+        </p:txBody>
+      </p:sp>
+    </p:spTree>
+    <p:extLst>
+      <p:ext uri="{BB962C8B-B14F-4D97-AF65-F5344CB8AC3E}">
+        <p14:creationId xmlns:p14="http://schemas.microsoft.com/office/powerpoint/2010/main" val="2537910738"/>
+      </p:ext>
+    </p:extLst>
+  </p:cSld>
+  <p:clrMapOvr>
+    <a:masterClrMapping/>
+  </p:clrMapOvr>
+</p:notes>
+</file>
+
+<file path=ppt/notesSlides/notesSlide16.xml><?xml version="1.0" encoding="utf-8"?>
+<p:notes xmlns:a="http://schemas.openxmlformats.org/drawingml/2006/main" xmlns:r="http://schemas.openxmlformats.org/officeDocument/2006/relationships" xmlns:p="http://schemas.openxmlformats.org/presentationml/2006/main" showMasterSp="0" showMasterPhAnim="0">
+  <p:cSld>
+    <p:spTree>
+      <p:nvGrpSpPr>
+        <p:cNvPr id="1" name="Shape 571"/>
+        <p:cNvGrpSpPr/>
+        <p:nvPr/>
+      </p:nvGrpSpPr>
+      <p:grpSpPr>
+        <a:xfrm>
+          <a:off x="0" y="0"/>
+          <a:ext cx="0" cy="0"/>
+          <a:chOff x="0" y="0"/>
+          <a:chExt cx="0" cy="0"/>
+        </a:xfrm>
+      </p:grpSpPr>
+      <p:sp>
+        <p:nvSpPr>
+          <p:cNvPr id="572" name="Google Shape;572;g633ac59676_1_134:notes"/>
+          <p:cNvSpPr>
+            <a:spLocks noGrp="1" noRot="1" noChangeAspect="1"/>
+          </p:cNvSpPr>
+          <p:nvPr>
+            <p:ph type="sldImg" idx="2"/>
+          </p:nvPr>
+        </p:nvSpPr>
+        <p:spPr>
+          <a:xfrm>
+            <a:off x="1371600" y="1143000"/>
+            <a:ext cx="4114800" cy="3086100"/>
+          </a:xfrm>
+          <a:custGeom>
+            <a:avLst/>
+            <a:gdLst/>
+            <a:ahLst/>
+            <a:cxnLst/>
+            <a:rect l="l" t="t" r="r" b="b"/>
+            <a:pathLst>
+              <a:path w="120000" h="120000" extrusionOk="0">
+                <a:moveTo>
+                  <a:pt x="0" y="0"/>
+                </a:moveTo>
+                <a:lnTo>
+                  <a:pt x="120000" y="0"/>
+                </a:lnTo>
+                <a:lnTo>
+                  <a:pt x="120000" y="120000"/>
+                </a:lnTo>
+                <a:lnTo>
+                  <a:pt x="0" y="120000"/>
+                </a:lnTo>
+                <a:close/>
+              </a:path>
+            </a:pathLst>
+          </a:custGeom>
+        </p:spPr>
+      </p:sp>
+      <p:sp>
+        <p:nvSpPr>
+          <p:cNvPr id="573" name="Google Shape;573;g633ac59676_1_134:notes"/>
+          <p:cNvSpPr txBox="1">
+            <a:spLocks noGrp="1"/>
+          </p:cNvSpPr>
+          <p:nvPr>
+            <p:ph type="body" idx="1"/>
+          </p:nvPr>
+        </p:nvSpPr>
+        <p:spPr>
+          <a:xfrm>
+            <a:off x="685800" y="4400550"/>
+            <a:ext cx="5486400" cy="3600600"/>
+          </a:xfrm>
+          <a:prstGeom prst="rect">
+            <a:avLst/>
+          </a:prstGeom>
+        </p:spPr>
+        <p:txBody>
+          <a:bodyPr spcFirstLastPara="1" wrap="square" lIns="91425" tIns="45700" rIns="91425" bIns="45700" anchor="t" anchorCtr="0">
+            <a:noAutofit/>
+          </a:bodyPr>
+          <a:lstStyle/>
+          <a:p>
+            <a:pPr marL="0" lvl="0" indent="0" algn="l" rtl="0">
+              <a:spcBef>
+                <a:spcPts val="0"/>
+              </a:spcBef>
+              <a:spcAft>
+                <a:spcPts val="0"/>
+              </a:spcAft>
+              <a:buNone/>
+            </a:pPr>
+            <a:endParaRPr/>
+          </a:p>
+        </p:txBody>
+      </p:sp>
+      <p:sp>
+        <p:nvSpPr>
+          <p:cNvPr id="574" name="Google Shape;574;g633ac59676_1_134:notes"/>
+          <p:cNvSpPr txBox="1">
+            <a:spLocks noGrp="1"/>
+          </p:cNvSpPr>
+          <p:nvPr>
+            <p:ph type="sldNum" idx="12"/>
+          </p:nvPr>
+        </p:nvSpPr>
+        <p:spPr>
+          <a:xfrm>
+            <a:off x="3884613" y="8685213"/>
+            <a:ext cx="2971800" cy="458700"/>
+          </a:xfrm>
+          <a:prstGeom prst="rect">
+            <a:avLst/>
+          </a:prstGeom>
+        </p:spPr>
+        <p:txBody>
+          <a:bodyPr spcFirstLastPara="1" wrap="square" lIns="91425" tIns="45700" rIns="91425" bIns="45700" anchor="b" anchorCtr="0">
+            <a:noAutofit/>
+          </a:bodyPr>
+          <a:lstStyle/>
+          <a:p>
+            <a:pPr marL="0" lvl="0" indent="0" algn="r" rtl="0">
+              <a:spcBef>
+                <a:spcPts val="0"/>
+              </a:spcBef>
+              <a:spcAft>
+                <a:spcPts val="0"/>
+              </a:spcAft>
+              <a:buClr>
+                <a:srgbClr val="000000"/>
+              </a:buClr>
+              <a:buFont typeface="Arial"/>
+              <a:buNone/>
+            </a:pPr>
+            <a:fld id="{00000000-1234-1234-1234-123412341234}" type="slidenum">
+              <a:rPr lang="en-CA"/>
+              <a:t>16</a:t>
+            </a:fld>
+            <a:endParaRPr/>
+          </a:p>
+        </p:txBody>
+      </p:sp>
+    </p:spTree>
+    <p:extLst>
+      <p:ext uri="{BB962C8B-B14F-4D97-AF65-F5344CB8AC3E}">
+        <p14:creationId xmlns:p14="http://schemas.microsoft.com/office/powerpoint/2010/main" val="3022394251"/>
+      </p:ext>
+    </p:extLst>
+  </p:cSld>
+  <p:clrMapOvr>
+    <a:masterClrMapping/>
+  </p:clrMapOvr>
+</p:notes>
+</file>
+
+<file path=ppt/notesSlides/notesSlide17.xml><?xml version="1.0" encoding="utf-8"?>
+<p:notes xmlns:a="http://schemas.openxmlformats.org/drawingml/2006/main" xmlns:r="http://schemas.openxmlformats.org/officeDocument/2006/relationships" xmlns:p="http://schemas.openxmlformats.org/presentationml/2006/main" showMasterSp="0" showMasterPhAnim="0">
+  <p:cSld>
+    <p:spTree>
+      <p:nvGrpSpPr>
+        <p:cNvPr id="1" name="Shape 571"/>
+        <p:cNvGrpSpPr/>
+        <p:nvPr/>
+      </p:nvGrpSpPr>
+      <p:grpSpPr>
+        <a:xfrm>
+          <a:off x="0" y="0"/>
+          <a:ext cx="0" cy="0"/>
+          <a:chOff x="0" y="0"/>
+          <a:chExt cx="0" cy="0"/>
+        </a:xfrm>
+      </p:grpSpPr>
+      <p:sp>
+        <p:nvSpPr>
+          <p:cNvPr id="572" name="Google Shape;572;g633ac59676_1_134:notes"/>
+          <p:cNvSpPr>
+            <a:spLocks noGrp="1" noRot="1" noChangeAspect="1"/>
+          </p:cNvSpPr>
+          <p:nvPr>
+            <p:ph type="sldImg" idx="2"/>
+          </p:nvPr>
+        </p:nvSpPr>
+        <p:spPr>
+          <a:xfrm>
+            <a:off x="1371600" y="1143000"/>
+            <a:ext cx="4114800" cy="3086100"/>
+          </a:xfrm>
+          <a:custGeom>
+            <a:avLst/>
+            <a:gdLst/>
+            <a:ahLst/>
+            <a:cxnLst/>
+            <a:rect l="l" t="t" r="r" b="b"/>
+            <a:pathLst>
+              <a:path w="120000" h="120000" extrusionOk="0">
+                <a:moveTo>
+                  <a:pt x="0" y="0"/>
+                </a:moveTo>
+                <a:lnTo>
+                  <a:pt x="120000" y="0"/>
+                </a:lnTo>
+                <a:lnTo>
+                  <a:pt x="120000" y="120000"/>
+                </a:lnTo>
+                <a:lnTo>
+                  <a:pt x="0" y="120000"/>
+                </a:lnTo>
+                <a:close/>
+              </a:path>
+            </a:pathLst>
+          </a:custGeom>
+        </p:spPr>
+      </p:sp>
+      <p:sp>
+        <p:nvSpPr>
+          <p:cNvPr id="573" name="Google Shape;573;g633ac59676_1_134:notes"/>
+          <p:cNvSpPr txBox="1">
+            <a:spLocks noGrp="1"/>
+          </p:cNvSpPr>
+          <p:nvPr>
+            <p:ph type="body" idx="1"/>
+          </p:nvPr>
+        </p:nvSpPr>
+        <p:spPr>
+          <a:xfrm>
+            <a:off x="685800" y="4400550"/>
+            <a:ext cx="5486400" cy="3600600"/>
+          </a:xfrm>
+          <a:prstGeom prst="rect">
+            <a:avLst/>
+          </a:prstGeom>
+        </p:spPr>
+        <p:txBody>
+          <a:bodyPr spcFirstLastPara="1" wrap="square" lIns="91425" tIns="45700" rIns="91425" bIns="45700" anchor="t" anchorCtr="0">
+            <a:noAutofit/>
+          </a:bodyPr>
+          <a:lstStyle/>
+          <a:p>
+            <a:pPr marL="0" lvl="0" indent="0" algn="l" rtl="0">
+              <a:spcBef>
+                <a:spcPts val="0"/>
+              </a:spcBef>
+              <a:spcAft>
+                <a:spcPts val="0"/>
+              </a:spcAft>
+              <a:buNone/>
+            </a:pPr>
+            <a:endParaRPr/>
+          </a:p>
+        </p:txBody>
+      </p:sp>
+      <p:sp>
+        <p:nvSpPr>
+          <p:cNvPr id="574" name="Google Shape;574;g633ac59676_1_134:notes"/>
+          <p:cNvSpPr txBox="1">
+            <a:spLocks noGrp="1"/>
+          </p:cNvSpPr>
+          <p:nvPr>
+            <p:ph type="sldNum" idx="12"/>
+          </p:nvPr>
+        </p:nvSpPr>
+        <p:spPr>
+          <a:xfrm>
+            <a:off x="3884613" y="8685213"/>
+            <a:ext cx="2971800" cy="458700"/>
+          </a:xfrm>
+          <a:prstGeom prst="rect">
+            <a:avLst/>
+          </a:prstGeom>
+        </p:spPr>
+        <p:txBody>
+          <a:bodyPr spcFirstLastPara="1" wrap="square" lIns="91425" tIns="45700" rIns="91425" bIns="45700" anchor="b" anchorCtr="0">
+            <a:noAutofit/>
+          </a:bodyPr>
+          <a:lstStyle/>
+          <a:p>
+            <a:pPr marL="0" lvl="0" indent="0" algn="r" rtl="0">
+              <a:spcBef>
+                <a:spcPts val="0"/>
+              </a:spcBef>
+              <a:spcAft>
+                <a:spcPts val="0"/>
+              </a:spcAft>
+              <a:buClr>
+                <a:srgbClr val="000000"/>
+              </a:buClr>
+              <a:buFont typeface="Arial"/>
+              <a:buNone/>
+            </a:pPr>
+            <a:fld id="{00000000-1234-1234-1234-123412341234}" type="slidenum">
+              <a:rPr lang="en-CA"/>
+              <a:t>17</a:t>
+            </a:fld>
+            <a:endParaRPr/>
+          </a:p>
+        </p:txBody>
+      </p:sp>
+    </p:spTree>
+    <p:extLst>
+      <p:ext uri="{BB962C8B-B14F-4D97-AF65-F5344CB8AC3E}">
+        <p14:creationId xmlns:p14="http://schemas.microsoft.com/office/powerpoint/2010/main" val="1288242300"/>
+      </p:ext>
+    </p:extLst>
+  </p:cSld>
+  <p:clrMapOvr>
+    <a:masterClrMapping/>
+  </p:clrMapOvr>
+</p:notes>
+</file>
+
+<file path=ppt/notesSlides/notesSlide18.xml><?xml version="1.0" encoding="utf-8"?>
+<p:notes xmlns:a="http://schemas.openxmlformats.org/drawingml/2006/main" xmlns:r="http://schemas.openxmlformats.org/officeDocument/2006/relationships" xmlns:p="http://schemas.openxmlformats.org/presentationml/2006/main" showMasterSp="0" showMasterPhAnim="0">
+  <p:cSld>
+    <p:spTree>
+      <p:nvGrpSpPr>
+        <p:cNvPr id="1" name="Shape 571"/>
+        <p:cNvGrpSpPr/>
+        <p:nvPr/>
+      </p:nvGrpSpPr>
+      <p:grpSpPr>
+        <a:xfrm>
+          <a:off x="0" y="0"/>
+          <a:ext cx="0" cy="0"/>
+          <a:chOff x="0" y="0"/>
+          <a:chExt cx="0" cy="0"/>
+        </a:xfrm>
+      </p:grpSpPr>
+      <p:sp>
+        <p:nvSpPr>
+          <p:cNvPr id="572" name="Google Shape;572;g633ac59676_1_134:notes"/>
+          <p:cNvSpPr>
+            <a:spLocks noGrp="1" noRot="1" noChangeAspect="1"/>
+          </p:cNvSpPr>
+          <p:nvPr>
+            <p:ph type="sldImg" idx="2"/>
+          </p:nvPr>
+        </p:nvSpPr>
+        <p:spPr>
+          <a:xfrm>
+            <a:off x="1371600" y="1143000"/>
+            <a:ext cx="4114800" cy="3086100"/>
+          </a:xfrm>
+          <a:custGeom>
+            <a:avLst/>
+            <a:gdLst/>
+            <a:ahLst/>
+            <a:cxnLst/>
+            <a:rect l="l" t="t" r="r" b="b"/>
+            <a:pathLst>
+              <a:path w="120000" h="120000" extrusionOk="0">
+                <a:moveTo>
+                  <a:pt x="0" y="0"/>
+                </a:moveTo>
+                <a:lnTo>
+                  <a:pt x="120000" y="0"/>
+                </a:lnTo>
+                <a:lnTo>
+                  <a:pt x="120000" y="120000"/>
+                </a:lnTo>
+                <a:lnTo>
+                  <a:pt x="0" y="120000"/>
+                </a:lnTo>
+                <a:close/>
+              </a:path>
+            </a:pathLst>
+          </a:custGeom>
+        </p:spPr>
+      </p:sp>
+      <p:sp>
+        <p:nvSpPr>
+          <p:cNvPr id="573" name="Google Shape;573;g633ac59676_1_134:notes"/>
+          <p:cNvSpPr txBox="1">
+            <a:spLocks noGrp="1"/>
+          </p:cNvSpPr>
+          <p:nvPr>
+            <p:ph type="body" idx="1"/>
+          </p:nvPr>
+        </p:nvSpPr>
+        <p:spPr>
+          <a:xfrm>
+            <a:off x="685800" y="4400550"/>
+            <a:ext cx="5486400" cy="3600600"/>
+          </a:xfrm>
+          <a:prstGeom prst="rect">
+            <a:avLst/>
+          </a:prstGeom>
+        </p:spPr>
+        <p:txBody>
+          <a:bodyPr spcFirstLastPara="1" wrap="square" lIns="91425" tIns="45700" rIns="91425" bIns="45700" anchor="t" anchorCtr="0">
+            <a:noAutofit/>
+          </a:bodyPr>
+          <a:lstStyle/>
+          <a:p>
+            <a:pPr marL="0" lvl="0" indent="0" algn="l" rtl="0">
+              <a:spcBef>
+                <a:spcPts val="0"/>
+              </a:spcBef>
+              <a:spcAft>
+                <a:spcPts val="0"/>
+              </a:spcAft>
+              <a:buNone/>
+            </a:pPr>
+            <a:endParaRPr/>
+          </a:p>
+        </p:txBody>
+      </p:sp>
+      <p:sp>
+        <p:nvSpPr>
+          <p:cNvPr id="574" name="Google Shape;574;g633ac59676_1_134:notes"/>
+          <p:cNvSpPr txBox="1">
+            <a:spLocks noGrp="1"/>
+          </p:cNvSpPr>
+          <p:nvPr>
+            <p:ph type="sldNum" idx="12"/>
+          </p:nvPr>
+        </p:nvSpPr>
+        <p:spPr>
+          <a:xfrm>
+            <a:off x="3884613" y="8685213"/>
+            <a:ext cx="2971800" cy="458700"/>
+          </a:xfrm>
+          <a:prstGeom prst="rect">
+            <a:avLst/>
+          </a:prstGeom>
+        </p:spPr>
+        <p:txBody>
+          <a:bodyPr spcFirstLastPara="1" wrap="square" lIns="91425" tIns="45700" rIns="91425" bIns="45700" anchor="b" anchorCtr="0">
+            <a:noAutofit/>
+          </a:bodyPr>
+          <a:lstStyle/>
+          <a:p>
+            <a:pPr marL="0" lvl="0" indent="0" algn="r" rtl="0">
+              <a:spcBef>
+                <a:spcPts val="0"/>
+              </a:spcBef>
+              <a:spcAft>
+                <a:spcPts val="0"/>
+              </a:spcAft>
+              <a:buClr>
+                <a:srgbClr val="000000"/>
+              </a:buClr>
+              <a:buFont typeface="Arial"/>
+              <a:buNone/>
+            </a:pPr>
+            <a:fld id="{00000000-1234-1234-1234-123412341234}" type="slidenum">
+              <a:rPr lang="en-CA"/>
+              <a:t>18</a:t>
+            </a:fld>
+            <a:endParaRPr/>
+          </a:p>
+        </p:txBody>
+      </p:sp>
+    </p:spTree>
+    <p:extLst>
+      <p:ext uri="{BB962C8B-B14F-4D97-AF65-F5344CB8AC3E}">
+        <p14:creationId xmlns:p14="http://schemas.microsoft.com/office/powerpoint/2010/main" val="1139887429"/>
       </p:ext>
     </p:extLst>
   </p:cSld>
@@ -13011,6 +13791,942 @@
 </p:sld>
 </file>
 
+<file path=ppt/slides/slide14.xml><?xml version="1.0" encoding="utf-8"?>
+<p:sld xmlns:a="http://schemas.openxmlformats.org/drawingml/2006/main" xmlns:r="http://schemas.openxmlformats.org/officeDocument/2006/relationships" xmlns:p="http://schemas.openxmlformats.org/presentationml/2006/main">
+  <p:cSld>
+    <p:spTree>
+      <p:nvGrpSpPr>
+        <p:cNvPr id="1" name="Shape 575"/>
+        <p:cNvGrpSpPr/>
+        <p:nvPr/>
+      </p:nvGrpSpPr>
+      <p:grpSpPr>
+        <a:xfrm>
+          <a:off x="0" y="0"/>
+          <a:ext cx="0" cy="0"/>
+          <a:chOff x="0" y="0"/>
+          <a:chExt cx="0" cy="0"/>
+        </a:xfrm>
+      </p:grpSpPr>
+      <p:sp>
+        <p:nvSpPr>
+          <p:cNvPr id="576" name="Google Shape;576;p70"/>
+          <p:cNvSpPr txBox="1">
+            <a:spLocks noGrp="1"/>
+          </p:cNvSpPr>
+          <p:nvPr>
+            <p:ph type="title"/>
+          </p:nvPr>
+        </p:nvSpPr>
+        <p:spPr>
+          <a:xfrm>
+            <a:off x="457200" y="274638"/>
+            <a:ext cx="8229600" cy="1143000"/>
+          </a:xfrm>
+          <a:prstGeom prst="rect">
+            <a:avLst/>
+          </a:prstGeom>
+        </p:spPr>
+        <p:txBody>
+          <a:bodyPr spcFirstLastPara="1" wrap="square" lIns="91425" tIns="45700" rIns="91425" bIns="45700" anchor="ctr" anchorCtr="0">
+            <a:noAutofit/>
+          </a:bodyPr>
+          <a:lstStyle/>
+          <a:p>
+            <a:pPr marL="0" lvl="0" indent="0" algn="ctr" rtl="0">
+              <a:spcBef>
+                <a:spcPts val="0"/>
+              </a:spcBef>
+              <a:spcAft>
+                <a:spcPts val="0"/>
+              </a:spcAft>
+              <a:buNone/>
+            </a:pPr>
+            <a:r>
+              <a:rPr lang="en-CA" dirty="0"/>
+              <a:t>What is Simulink</a:t>
+            </a:r>
+            <a:endParaRPr dirty="0"/>
+          </a:p>
+        </p:txBody>
+      </p:sp>
+      <p:sp>
+        <p:nvSpPr>
+          <p:cNvPr id="577" name="Google Shape;577;p70"/>
+          <p:cNvSpPr txBox="1">
+            <a:spLocks noGrp="1"/>
+          </p:cNvSpPr>
+          <p:nvPr>
+            <p:ph type="sldNum" idx="12"/>
+          </p:nvPr>
+        </p:nvSpPr>
+        <p:spPr>
+          <a:xfrm>
+            <a:off x="6933527" y="6408890"/>
+            <a:ext cx="2133600" cy="365100"/>
+          </a:xfrm>
+          <a:prstGeom prst="rect">
+            <a:avLst/>
+          </a:prstGeom>
+        </p:spPr>
+        <p:txBody>
+          <a:bodyPr spcFirstLastPara="1" wrap="square" lIns="91425" tIns="45700" rIns="91425" bIns="45700" anchor="ctr" anchorCtr="0">
+            <a:noAutofit/>
+          </a:bodyPr>
+          <a:lstStyle/>
+          <a:p>
+            <a:pPr marL="0" lvl="0" indent="0" algn="r" rtl="0">
+              <a:spcBef>
+                <a:spcPts val="0"/>
+              </a:spcBef>
+              <a:spcAft>
+                <a:spcPts val="0"/>
+              </a:spcAft>
+              <a:buClr>
+                <a:srgbClr val="000000"/>
+              </a:buClr>
+              <a:buFont typeface="Arial"/>
+              <a:buNone/>
+            </a:pPr>
+            <a:fld id="{00000000-1234-1234-1234-123412341234}" type="slidenum">
+              <a:rPr lang="en-CA"/>
+              <a:t>14</a:t>
+            </a:fld>
+            <a:endParaRPr/>
+          </a:p>
+        </p:txBody>
+      </p:sp>
+      <p:sp>
+        <p:nvSpPr>
+          <p:cNvPr id="2" name="ZoneTexte 1">
+            <a:extLst>
+              <a:ext uri="{FF2B5EF4-FFF2-40B4-BE49-F238E27FC236}">
+                <a16:creationId xmlns:a16="http://schemas.microsoft.com/office/drawing/2014/main" id="{68AD1101-375A-6A28-BDC3-19947A9AF40A}"/>
+              </a:ext>
+            </a:extLst>
+          </p:cNvPr>
+          <p:cNvSpPr txBox="1"/>
+          <p:nvPr/>
+        </p:nvSpPr>
+        <p:spPr>
+          <a:xfrm>
+            <a:off x="1260630" y="1423726"/>
+            <a:ext cx="6906827" cy="738664"/>
+          </a:xfrm>
+          <a:prstGeom prst="rect">
+            <a:avLst/>
+          </a:prstGeom>
+          <a:noFill/>
+        </p:spPr>
+        <p:txBody>
+          <a:bodyPr wrap="square" rtlCol="0">
+            <a:spAutoFit/>
+          </a:bodyPr>
+          <a:lstStyle/>
+          <a:p>
+            <a:r>
+              <a:rPr lang="en-CA" dirty="0"/>
+              <a:t>It’s a visual to code that uses blocks and pre-defined functions instead of statements etc. Pure code functions still exist but are often ignored. It has some benefits and some downsides. </a:t>
+            </a:r>
+          </a:p>
+        </p:txBody>
+      </p:sp>
+    </p:spTree>
+    <p:extLst>
+      <p:ext uri="{BB962C8B-B14F-4D97-AF65-F5344CB8AC3E}">
+        <p14:creationId xmlns:p14="http://schemas.microsoft.com/office/powerpoint/2010/main" val="3918275519"/>
+      </p:ext>
+    </p:extLst>
+  </p:cSld>
+  <p:clrMapOvr>
+    <a:masterClrMapping/>
+  </p:clrMapOvr>
+</p:sld>
+</file>
+
+<file path=ppt/slides/slide15.xml><?xml version="1.0" encoding="utf-8"?>
+<p:sld xmlns:a="http://schemas.openxmlformats.org/drawingml/2006/main" xmlns:r="http://schemas.openxmlformats.org/officeDocument/2006/relationships" xmlns:p="http://schemas.openxmlformats.org/presentationml/2006/main">
+  <p:cSld>
+    <p:spTree>
+      <p:nvGrpSpPr>
+        <p:cNvPr id="1" name="Shape 575"/>
+        <p:cNvGrpSpPr/>
+        <p:nvPr/>
+      </p:nvGrpSpPr>
+      <p:grpSpPr>
+        <a:xfrm>
+          <a:off x="0" y="0"/>
+          <a:ext cx="0" cy="0"/>
+          <a:chOff x="0" y="0"/>
+          <a:chExt cx="0" cy="0"/>
+        </a:xfrm>
+      </p:grpSpPr>
+      <p:sp>
+        <p:nvSpPr>
+          <p:cNvPr id="576" name="Google Shape;576;p70"/>
+          <p:cNvSpPr txBox="1">
+            <a:spLocks noGrp="1"/>
+          </p:cNvSpPr>
+          <p:nvPr>
+            <p:ph type="title"/>
+          </p:nvPr>
+        </p:nvSpPr>
+        <p:spPr>
+          <a:xfrm>
+            <a:off x="457200" y="274638"/>
+            <a:ext cx="8229600" cy="1143000"/>
+          </a:xfrm>
+          <a:prstGeom prst="rect">
+            <a:avLst/>
+          </a:prstGeom>
+        </p:spPr>
+        <p:txBody>
+          <a:bodyPr spcFirstLastPara="1" wrap="square" lIns="91425" tIns="45700" rIns="91425" bIns="45700" anchor="ctr" anchorCtr="0">
+            <a:noAutofit/>
+          </a:bodyPr>
+          <a:lstStyle/>
+          <a:p>
+            <a:pPr marL="0" lvl="0" indent="0" algn="ctr" rtl="0">
+              <a:spcBef>
+                <a:spcPts val="0"/>
+              </a:spcBef>
+              <a:spcAft>
+                <a:spcPts val="0"/>
+              </a:spcAft>
+              <a:buNone/>
+            </a:pPr>
+            <a:r>
+              <a:rPr lang="en-CA" dirty="0"/>
+              <a:t>Simulink vs C++ compiler</a:t>
+            </a:r>
+            <a:endParaRPr dirty="0"/>
+          </a:p>
+        </p:txBody>
+      </p:sp>
+      <p:sp>
+        <p:nvSpPr>
+          <p:cNvPr id="577" name="Google Shape;577;p70"/>
+          <p:cNvSpPr txBox="1">
+            <a:spLocks noGrp="1"/>
+          </p:cNvSpPr>
+          <p:nvPr>
+            <p:ph type="sldNum" idx="12"/>
+          </p:nvPr>
+        </p:nvSpPr>
+        <p:spPr>
+          <a:xfrm>
+            <a:off x="6933527" y="6408890"/>
+            <a:ext cx="2133600" cy="365100"/>
+          </a:xfrm>
+          <a:prstGeom prst="rect">
+            <a:avLst/>
+          </a:prstGeom>
+        </p:spPr>
+        <p:txBody>
+          <a:bodyPr spcFirstLastPara="1" wrap="square" lIns="91425" tIns="45700" rIns="91425" bIns="45700" anchor="ctr" anchorCtr="0">
+            <a:noAutofit/>
+          </a:bodyPr>
+          <a:lstStyle/>
+          <a:p>
+            <a:pPr marL="0" lvl="0" indent="0" algn="r" rtl="0">
+              <a:spcBef>
+                <a:spcPts val="0"/>
+              </a:spcBef>
+              <a:spcAft>
+                <a:spcPts val="0"/>
+              </a:spcAft>
+              <a:buClr>
+                <a:srgbClr val="000000"/>
+              </a:buClr>
+              <a:buFont typeface="Arial"/>
+              <a:buNone/>
+            </a:pPr>
+            <a:fld id="{00000000-1234-1234-1234-123412341234}" type="slidenum">
+              <a:rPr lang="en-CA"/>
+              <a:t>15</a:t>
+            </a:fld>
+            <a:endParaRPr/>
+          </a:p>
+        </p:txBody>
+      </p:sp>
+      <p:sp>
+        <p:nvSpPr>
+          <p:cNvPr id="2" name="ZoneTexte 1">
+            <a:extLst>
+              <a:ext uri="{FF2B5EF4-FFF2-40B4-BE49-F238E27FC236}">
+                <a16:creationId xmlns:a16="http://schemas.microsoft.com/office/drawing/2014/main" id="{52B137F3-D2E5-7F9A-7624-0A73902DE772}"/>
+              </a:ext>
+            </a:extLst>
+          </p:cNvPr>
+          <p:cNvSpPr txBox="1"/>
+          <p:nvPr/>
+        </p:nvSpPr>
+        <p:spPr>
+          <a:xfrm>
+            <a:off x="1313895" y="1757780"/>
+            <a:ext cx="3435657" cy="1600438"/>
+          </a:xfrm>
+          <a:prstGeom prst="rect">
+            <a:avLst/>
+          </a:prstGeom>
+          <a:noFill/>
+        </p:spPr>
+        <p:txBody>
+          <a:bodyPr wrap="square" rtlCol="0">
+            <a:spAutoFit/>
+          </a:bodyPr>
+          <a:lstStyle/>
+          <a:p>
+            <a:r>
+              <a:rPr lang="en-CA" dirty="0">
+                <a:highlight>
+                  <a:srgbClr val="00FF00"/>
+                </a:highlight>
+              </a:rPr>
+              <a:t>Positives</a:t>
+            </a:r>
+          </a:p>
+          <a:p>
+            <a:endParaRPr lang="en-CA" dirty="0"/>
+          </a:p>
+          <a:p>
+            <a:pPr marL="285750" indent="-285750">
+              <a:buFont typeface="Arial" panose="020B0604020202020204" pitchFamily="34" charset="0"/>
+              <a:buChar char="•"/>
+            </a:pPr>
+            <a:r>
+              <a:rPr lang="en-CA" dirty="0"/>
+              <a:t>Much easier to pick up as a newbie</a:t>
+            </a:r>
+          </a:p>
+          <a:p>
+            <a:pPr marL="285750" indent="-285750">
+              <a:buFont typeface="Arial" panose="020B0604020202020204" pitchFamily="34" charset="0"/>
+              <a:buChar char="•"/>
+            </a:pPr>
+            <a:r>
+              <a:rPr lang="en-CA" dirty="0"/>
+              <a:t>Easier to “simulate” and debug then with hardware.</a:t>
+            </a:r>
+          </a:p>
+          <a:p>
+            <a:pPr marL="285750" indent="-285750">
+              <a:buFont typeface="Arial" panose="020B0604020202020204" pitchFamily="34" charset="0"/>
+              <a:buChar char="•"/>
+            </a:pPr>
+            <a:r>
+              <a:rPr lang="en-CA" dirty="0"/>
+              <a:t>A lot of available libraries that already exist</a:t>
+            </a:r>
+          </a:p>
+        </p:txBody>
+      </p:sp>
+      <p:sp>
+        <p:nvSpPr>
+          <p:cNvPr id="3" name="ZoneTexte 2">
+            <a:extLst>
+              <a:ext uri="{FF2B5EF4-FFF2-40B4-BE49-F238E27FC236}">
+                <a16:creationId xmlns:a16="http://schemas.microsoft.com/office/drawing/2014/main" id="{E460C10B-9652-B1BA-908C-CF3360E8F978}"/>
+              </a:ext>
+            </a:extLst>
+          </p:cNvPr>
+          <p:cNvSpPr txBox="1"/>
+          <p:nvPr/>
+        </p:nvSpPr>
+        <p:spPr>
+          <a:xfrm>
+            <a:off x="5038078" y="1651247"/>
+            <a:ext cx="3666476" cy="2031325"/>
+          </a:xfrm>
+          <a:prstGeom prst="rect">
+            <a:avLst/>
+          </a:prstGeom>
+          <a:noFill/>
+        </p:spPr>
+        <p:txBody>
+          <a:bodyPr wrap="square" rtlCol="0">
+            <a:spAutoFit/>
+          </a:bodyPr>
+          <a:lstStyle/>
+          <a:p>
+            <a:r>
+              <a:rPr lang="en-CA" dirty="0">
+                <a:highlight>
+                  <a:srgbClr val="FF0000"/>
+                </a:highlight>
+              </a:rPr>
+              <a:t>Negatives</a:t>
+            </a:r>
+          </a:p>
+          <a:p>
+            <a:endParaRPr lang="en-CA" dirty="0"/>
+          </a:p>
+          <a:p>
+            <a:pPr marL="285750" indent="-285750">
+              <a:buFont typeface="Arial" panose="020B0604020202020204" pitchFamily="34" charset="0"/>
+              <a:buChar char="•"/>
+            </a:pPr>
+            <a:r>
+              <a:rPr lang="en-CA" dirty="0"/>
+              <a:t>Requires time to make the code look “clean”</a:t>
+            </a:r>
+          </a:p>
+          <a:p>
+            <a:pPr marL="285750" indent="-285750">
+              <a:buFont typeface="Arial" panose="020B0604020202020204" pitchFamily="34" charset="0"/>
+              <a:buChar char="•"/>
+            </a:pPr>
+            <a:r>
+              <a:rPr lang="en-CA" dirty="0"/>
+              <a:t>Costs money</a:t>
+            </a:r>
+          </a:p>
+          <a:p>
+            <a:pPr marL="285750" indent="-285750">
+              <a:buFont typeface="Arial" panose="020B0604020202020204" pitchFamily="34" charset="0"/>
+              <a:buChar char="•"/>
+            </a:pPr>
+            <a:r>
+              <a:rPr lang="en-CA" dirty="0"/>
+              <a:t>There are limitations to what you can do</a:t>
+            </a:r>
+          </a:p>
+          <a:p>
+            <a:pPr marL="285750" indent="-285750">
+              <a:buFont typeface="Arial" panose="020B0604020202020204" pitchFamily="34" charset="0"/>
+              <a:buChar char="•"/>
+            </a:pPr>
+            <a:r>
+              <a:rPr lang="en-CA" dirty="0"/>
+              <a:t>Sometimes simple math takes more time to code then in </a:t>
+            </a:r>
+            <a:r>
+              <a:rPr lang="en-CA" dirty="0" err="1"/>
+              <a:t>c++</a:t>
+            </a:r>
+            <a:r>
+              <a:rPr lang="en-CA" dirty="0"/>
+              <a:t> for example.</a:t>
+            </a:r>
+          </a:p>
+          <a:p>
+            <a:pPr marL="285750" indent="-285750">
+              <a:buFont typeface="Arial" panose="020B0604020202020204" pitchFamily="34" charset="0"/>
+              <a:buChar char="•"/>
+            </a:pPr>
+            <a:endParaRPr lang="en-CA" dirty="0"/>
+          </a:p>
+        </p:txBody>
+      </p:sp>
+    </p:spTree>
+    <p:extLst>
+      <p:ext uri="{BB962C8B-B14F-4D97-AF65-F5344CB8AC3E}">
+        <p14:creationId xmlns:p14="http://schemas.microsoft.com/office/powerpoint/2010/main" val="3876249621"/>
+      </p:ext>
+    </p:extLst>
+  </p:cSld>
+  <p:clrMapOvr>
+    <a:masterClrMapping/>
+  </p:clrMapOvr>
+</p:sld>
+</file>
+
+<file path=ppt/slides/slide16.xml><?xml version="1.0" encoding="utf-8"?>
+<p:sld xmlns:a="http://schemas.openxmlformats.org/drawingml/2006/main" xmlns:r="http://schemas.openxmlformats.org/officeDocument/2006/relationships" xmlns:p="http://schemas.openxmlformats.org/presentationml/2006/main">
+  <p:cSld>
+    <p:spTree>
+      <p:nvGrpSpPr>
+        <p:cNvPr id="1" name="Shape 575"/>
+        <p:cNvGrpSpPr/>
+        <p:nvPr/>
+      </p:nvGrpSpPr>
+      <p:grpSpPr>
+        <a:xfrm>
+          <a:off x="0" y="0"/>
+          <a:ext cx="0" cy="0"/>
+          <a:chOff x="0" y="0"/>
+          <a:chExt cx="0" cy="0"/>
+        </a:xfrm>
+      </p:grpSpPr>
+      <p:sp>
+        <p:nvSpPr>
+          <p:cNvPr id="576" name="Google Shape;576;p70"/>
+          <p:cNvSpPr txBox="1">
+            <a:spLocks noGrp="1"/>
+          </p:cNvSpPr>
+          <p:nvPr>
+            <p:ph type="title"/>
+          </p:nvPr>
+        </p:nvSpPr>
+        <p:spPr>
+          <a:xfrm>
+            <a:off x="457200" y="274638"/>
+            <a:ext cx="8229600" cy="1143000"/>
+          </a:xfrm>
+          <a:prstGeom prst="rect">
+            <a:avLst/>
+          </a:prstGeom>
+        </p:spPr>
+        <p:txBody>
+          <a:bodyPr spcFirstLastPara="1" wrap="square" lIns="91425" tIns="45700" rIns="91425" bIns="45700" anchor="ctr" anchorCtr="0">
+            <a:noAutofit/>
+          </a:bodyPr>
+          <a:lstStyle/>
+          <a:p>
+            <a:pPr marL="0" lvl="0" indent="0" algn="ctr" rtl="0">
+              <a:spcBef>
+                <a:spcPts val="0"/>
+              </a:spcBef>
+              <a:spcAft>
+                <a:spcPts val="0"/>
+              </a:spcAft>
+              <a:buNone/>
+            </a:pPr>
+            <a:r>
+              <a:rPr lang="en-CA" dirty="0"/>
+              <a:t>How does it work</a:t>
+            </a:r>
+            <a:endParaRPr dirty="0"/>
+          </a:p>
+        </p:txBody>
+      </p:sp>
+      <p:sp>
+        <p:nvSpPr>
+          <p:cNvPr id="577" name="Google Shape;577;p70"/>
+          <p:cNvSpPr txBox="1">
+            <a:spLocks noGrp="1"/>
+          </p:cNvSpPr>
+          <p:nvPr>
+            <p:ph type="sldNum" idx="12"/>
+          </p:nvPr>
+        </p:nvSpPr>
+        <p:spPr>
+          <a:xfrm>
+            <a:off x="6933527" y="6408890"/>
+            <a:ext cx="2133600" cy="365100"/>
+          </a:xfrm>
+          <a:prstGeom prst="rect">
+            <a:avLst/>
+          </a:prstGeom>
+        </p:spPr>
+        <p:txBody>
+          <a:bodyPr spcFirstLastPara="1" wrap="square" lIns="91425" tIns="45700" rIns="91425" bIns="45700" anchor="ctr" anchorCtr="0">
+            <a:noAutofit/>
+          </a:bodyPr>
+          <a:lstStyle/>
+          <a:p>
+            <a:pPr marL="0" lvl="0" indent="0" algn="r" rtl="0">
+              <a:spcBef>
+                <a:spcPts val="0"/>
+              </a:spcBef>
+              <a:spcAft>
+                <a:spcPts val="0"/>
+              </a:spcAft>
+              <a:buClr>
+                <a:srgbClr val="000000"/>
+              </a:buClr>
+              <a:buFont typeface="Arial"/>
+              <a:buNone/>
+            </a:pPr>
+            <a:fld id="{00000000-1234-1234-1234-123412341234}" type="slidenum">
+              <a:rPr lang="en-CA"/>
+              <a:t>16</a:t>
+            </a:fld>
+            <a:endParaRPr/>
+          </a:p>
+        </p:txBody>
+      </p:sp>
+      <p:pic>
+        <p:nvPicPr>
+          <p:cNvPr id="5" name="Image 4">
+            <a:extLst>
+              <a:ext uri="{FF2B5EF4-FFF2-40B4-BE49-F238E27FC236}">
+                <a16:creationId xmlns:a16="http://schemas.microsoft.com/office/drawing/2014/main" id="{20534716-E5F8-83A0-6EBE-D65FD6CA2E6B}"/>
+              </a:ext>
+            </a:extLst>
+          </p:cNvPr>
+          <p:cNvPicPr>
+            <a:picLocks noChangeAspect="1"/>
+          </p:cNvPicPr>
+          <p:nvPr/>
+        </p:nvPicPr>
+        <p:blipFill>
+          <a:blip r:embed="rId3"/>
+          <a:stretch>
+            <a:fillRect/>
+          </a:stretch>
+        </p:blipFill>
+        <p:spPr>
+          <a:xfrm>
+            <a:off x="679141" y="1286890"/>
+            <a:ext cx="7470775" cy="4284220"/>
+          </a:xfrm>
+          <a:prstGeom prst="rect">
+            <a:avLst/>
+          </a:prstGeom>
+        </p:spPr>
+      </p:pic>
+      <p:pic>
+        <p:nvPicPr>
+          <p:cNvPr id="7" name="Image 6">
+            <a:extLst>
+              <a:ext uri="{FF2B5EF4-FFF2-40B4-BE49-F238E27FC236}">
+                <a16:creationId xmlns:a16="http://schemas.microsoft.com/office/drawing/2014/main" id="{2D55632B-4D76-5247-4989-0AE2BB65FC6E}"/>
+              </a:ext>
+            </a:extLst>
+          </p:cNvPr>
+          <p:cNvPicPr>
+            <a:picLocks noChangeAspect="1"/>
+          </p:cNvPicPr>
+          <p:nvPr/>
+        </p:nvPicPr>
+        <p:blipFill>
+          <a:blip r:embed="rId4"/>
+          <a:stretch>
+            <a:fillRect/>
+          </a:stretch>
+        </p:blipFill>
+        <p:spPr>
+          <a:xfrm>
+            <a:off x="4453902" y="4731797"/>
+            <a:ext cx="3917955" cy="1677093"/>
+          </a:xfrm>
+          <a:prstGeom prst="rect">
+            <a:avLst/>
+          </a:prstGeom>
+        </p:spPr>
+      </p:pic>
+    </p:spTree>
+    <p:extLst>
+      <p:ext uri="{BB962C8B-B14F-4D97-AF65-F5344CB8AC3E}">
+        <p14:creationId xmlns:p14="http://schemas.microsoft.com/office/powerpoint/2010/main" val="4019832787"/>
+      </p:ext>
+    </p:extLst>
+  </p:cSld>
+  <p:clrMapOvr>
+    <a:masterClrMapping/>
+  </p:clrMapOvr>
+</p:sld>
+</file>
+
+<file path=ppt/slides/slide17.xml><?xml version="1.0" encoding="utf-8"?>
+<p:sld xmlns:a="http://schemas.openxmlformats.org/drawingml/2006/main" xmlns:r="http://schemas.openxmlformats.org/officeDocument/2006/relationships" xmlns:p="http://schemas.openxmlformats.org/presentationml/2006/main">
+  <p:cSld>
+    <p:spTree>
+      <p:nvGrpSpPr>
+        <p:cNvPr id="1" name="Shape 575"/>
+        <p:cNvGrpSpPr/>
+        <p:nvPr/>
+      </p:nvGrpSpPr>
+      <p:grpSpPr>
+        <a:xfrm>
+          <a:off x="0" y="0"/>
+          <a:ext cx="0" cy="0"/>
+          <a:chOff x="0" y="0"/>
+          <a:chExt cx="0" cy="0"/>
+        </a:xfrm>
+      </p:grpSpPr>
+      <p:sp>
+        <p:nvSpPr>
+          <p:cNvPr id="576" name="Google Shape;576;p70"/>
+          <p:cNvSpPr txBox="1">
+            <a:spLocks noGrp="1"/>
+          </p:cNvSpPr>
+          <p:nvPr>
+            <p:ph type="title"/>
+          </p:nvPr>
+        </p:nvSpPr>
+        <p:spPr>
+          <a:xfrm>
+            <a:off x="457200" y="274638"/>
+            <a:ext cx="8229600" cy="1143000"/>
+          </a:xfrm>
+          <a:prstGeom prst="rect">
+            <a:avLst/>
+          </a:prstGeom>
+        </p:spPr>
+        <p:txBody>
+          <a:bodyPr spcFirstLastPara="1" wrap="square" lIns="91425" tIns="45700" rIns="91425" bIns="45700" anchor="ctr" anchorCtr="0">
+            <a:noAutofit/>
+          </a:bodyPr>
+          <a:lstStyle/>
+          <a:p>
+            <a:pPr marL="0" lvl="0" indent="0" algn="ctr" rtl="0">
+              <a:spcBef>
+                <a:spcPts val="0"/>
+              </a:spcBef>
+              <a:spcAft>
+                <a:spcPts val="0"/>
+              </a:spcAft>
+              <a:buNone/>
+            </a:pPr>
+            <a:r>
+              <a:rPr lang="en-CA" dirty="0"/>
+              <a:t>Example 1: Simple Vehicle Speed</a:t>
+            </a:r>
+            <a:endParaRPr dirty="0"/>
+          </a:p>
+        </p:txBody>
+      </p:sp>
+      <p:sp>
+        <p:nvSpPr>
+          <p:cNvPr id="577" name="Google Shape;577;p70"/>
+          <p:cNvSpPr txBox="1">
+            <a:spLocks noGrp="1"/>
+          </p:cNvSpPr>
+          <p:nvPr>
+            <p:ph type="sldNum" idx="12"/>
+          </p:nvPr>
+        </p:nvSpPr>
+        <p:spPr>
+          <a:xfrm>
+            <a:off x="6933527" y="6408890"/>
+            <a:ext cx="2133600" cy="365100"/>
+          </a:xfrm>
+          <a:prstGeom prst="rect">
+            <a:avLst/>
+          </a:prstGeom>
+        </p:spPr>
+        <p:txBody>
+          <a:bodyPr spcFirstLastPara="1" wrap="square" lIns="91425" tIns="45700" rIns="91425" bIns="45700" anchor="ctr" anchorCtr="0">
+            <a:noAutofit/>
+          </a:bodyPr>
+          <a:lstStyle/>
+          <a:p>
+            <a:pPr marL="0" lvl="0" indent="0" algn="r" rtl="0">
+              <a:spcBef>
+                <a:spcPts val="0"/>
+              </a:spcBef>
+              <a:spcAft>
+                <a:spcPts val="0"/>
+              </a:spcAft>
+              <a:buClr>
+                <a:srgbClr val="000000"/>
+              </a:buClr>
+              <a:buFont typeface="Arial"/>
+              <a:buNone/>
+            </a:pPr>
+            <a:fld id="{00000000-1234-1234-1234-123412341234}" type="slidenum">
+              <a:rPr lang="en-CA"/>
+              <a:t>17</a:t>
+            </a:fld>
+            <a:endParaRPr/>
+          </a:p>
+        </p:txBody>
+      </p:sp>
+    </p:spTree>
+    <p:extLst>
+      <p:ext uri="{BB962C8B-B14F-4D97-AF65-F5344CB8AC3E}">
+        <p14:creationId xmlns:p14="http://schemas.microsoft.com/office/powerpoint/2010/main" val="554900376"/>
+      </p:ext>
+    </p:extLst>
+  </p:cSld>
+  <p:clrMapOvr>
+    <a:masterClrMapping/>
+  </p:clrMapOvr>
+</p:sld>
+</file>
+
+<file path=ppt/slides/slide18.xml><?xml version="1.0" encoding="utf-8"?>
+<p:sld xmlns:a="http://schemas.openxmlformats.org/drawingml/2006/main" xmlns:r="http://schemas.openxmlformats.org/officeDocument/2006/relationships" xmlns:p="http://schemas.openxmlformats.org/presentationml/2006/main">
+  <p:cSld>
+    <p:spTree>
+      <p:nvGrpSpPr>
+        <p:cNvPr id="1" name="Shape 575"/>
+        <p:cNvGrpSpPr/>
+        <p:nvPr/>
+      </p:nvGrpSpPr>
+      <p:grpSpPr>
+        <a:xfrm>
+          <a:off x="0" y="0"/>
+          <a:ext cx="0" cy="0"/>
+          <a:chOff x="0" y="0"/>
+          <a:chExt cx="0" cy="0"/>
+        </a:xfrm>
+      </p:grpSpPr>
+      <p:sp>
+        <p:nvSpPr>
+          <p:cNvPr id="576" name="Google Shape;576;p70"/>
+          <p:cNvSpPr txBox="1">
+            <a:spLocks noGrp="1"/>
+          </p:cNvSpPr>
+          <p:nvPr>
+            <p:ph type="title"/>
+          </p:nvPr>
+        </p:nvSpPr>
+        <p:spPr>
+          <a:xfrm>
+            <a:off x="457200" y="274638"/>
+            <a:ext cx="8229600" cy="1143000"/>
+          </a:xfrm>
+          <a:prstGeom prst="rect">
+            <a:avLst/>
+          </a:prstGeom>
+        </p:spPr>
+        <p:txBody>
+          <a:bodyPr spcFirstLastPara="1" wrap="square" lIns="91425" tIns="45700" rIns="91425" bIns="45700" anchor="ctr" anchorCtr="0">
+            <a:noAutofit/>
+          </a:bodyPr>
+          <a:lstStyle/>
+          <a:p>
+            <a:pPr marL="0" lvl="0" indent="0" algn="ctr" rtl="0">
+              <a:spcBef>
+                <a:spcPts val="0"/>
+              </a:spcBef>
+              <a:spcAft>
+                <a:spcPts val="0"/>
+              </a:spcAft>
+              <a:buNone/>
+            </a:pPr>
+            <a:r>
+              <a:rPr lang="en-CA" dirty="0"/>
+              <a:t>Example 2: Building </a:t>
+            </a:r>
+            <a:r>
+              <a:rPr lang="en-CA" dirty="0" err="1"/>
+              <a:t>OpenEcu</a:t>
+            </a:r>
+            <a:r>
+              <a:rPr lang="en-CA" dirty="0"/>
+              <a:t> Code</a:t>
+            </a:r>
+            <a:endParaRPr dirty="0"/>
+          </a:p>
+        </p:txBody>
+      </p:sp>
+      <p:sp>
+        <p:nvSpPr>
+          <p:cNvPr id="577" name="Google Shape;577;p70"/>
+          <p:cNvSpPr txBox="1">
+            <a:spLocks noGrp="1"/>
+          </p:cNvSpPr>
+          <p:nvPr>
+            <p:ph type="sldNum" idx="12"/>
+          </p:nvPr>
+        </p:nvSpPr>
+        <p:spPr>
+          <a:xfrm>
+            <a:off x="6933527" y="6408890"/>
+            <a:ext cx="2133600" cy="365100"/>
+          </a:xfrm>
+          <a:prstGeom prst="rect">
+            <a:avLst/>
+          </a:prstGeom>
+        </p:spPr>
+        <p:txBody>
+          <a:bodyPr spcFirstLastPara="1" wrap="square" lIns="91425" tIns="45700" rIns="91425" bIns="45700" anchor="ctr" anchorCtr="0">
+            <a:noAutofit/>
+          </a:bodyPr>
+          <a:lstStyle/>
+          <a:p>
+            <a:pPr marL="0" lvl="0" indent="0" algn="r" rtl="0">
+              <a:spcBef>
+                <a:spcPts val="0"/>
+              </a:spcBef>
+              <a:spcAft>
+                <a:spcPts val="0"/>
+              </a:spcAft>
+              <a:buClr>
+                <a:srgbClr val="000000"/>
+              </a:buClr>
+              <a:buFont typeface="Arial"/>
+              <a:buNone/>
+            </a:pPr>
+            <a:fld id="{00000000-1234-1234-1234-123412341234}" type="slidenum">
+              <a:rPr lang="en-CA"/>
+              <a:t>18</a:t>
+            </a:fld>
+            <a:endParaRPr/>
+          </a:p>
+        </p:txBody>
+      </p:sp>
+      <p:sp>
+        <p:nvSpPr>
+          <p:cNvPr id="3" name="ZoneTexte 2">
+            <a:extLst>
+              <a:ext uri="{FF2B5EF4-FFF2-40B4-BE49-F238E27FC236}">
+                <a16:creationId xmlns:a16="http://schemas.microsoft.com/office/drawing/2014/main" id="{9EC39D9A-9ED7-DFCC-A5D0-2EE6CF02FB5D}"/>
+              </a:ext>
+            </a:extLst>
+          </p:cNvPr>
+          <p:cNvSpPr txBox="1"/>
+          <p:nvPr/>
+        </p:nvSpPr>
+        <p:spPr>
+          <a:xfrm>
+            <a:off x="798990" y="1417638"/>
+            <a:ext cx="7519387" cy="1169551"/>
+          </a:xfrm>
+          <a:prstGeom prst="rect">
+            <a:avLst/>
+          </a:prstGeom>
+          <a:noFill/>
+        </p:spPr>
+        <p:txBody>
+          <a:bodyPr wrap="square" rtlCol="0">
+            <a:spAutoFit/>
+          </a:bodyPr>
+          <a:lstStyle/>
+          <a:p>
+            <a:pPr marL="342900" indent="-342900">
+              <a:buAutoNum type="arabicPeriod"/>
+            </a:pPr>
+            <a:r>
+              <a:rPr lang="en-CA" dirty="0"/>
+              <a:t>How does it build</a:t>
+            </a:r>
+          </a:p>
+          <a:p>
+            <a:pPr marL="342900" indent="-342900">
+              <a:buAutoNum type="arabicPeriod"/>
+            </a:pPr>
+            <a:r>
+              <a:rPr lang="en-CA" dirty="0"/>
+              <a:t>Why do we need to build code this way</a:t>
+            </a:r>
+          </a:p>
+          <a:p>
+            <a:pPr marL="342900" indent="-342900">
+              <a:buAutoNum type="arabicPeriod"/>
+            </a:pPr>
+            <a:r>
+              <a:rPr lang="en-CA" dirty="0"/>
+              <a:t>What is INP/FLT/CAS/CTR/OUT</a:t>
+            </a:r>
+          </a:p>
+          <a:p>
+            <a:pPr marL="342900" indent="-342900">
+              <a:buAutoNum type="arabicPeriod"/>
+            </a:pPr>
+            <a:r>
+              <a:rPr lang="en-CA" dirty="0"/>
+              <a:t>Step By step explanation</a:t>
+            </a:r>
+          </a:p>
+          <a:p>
+            <a:pPr marL="342900" indent="-342900">
+              <a:buAutoNum type="arabicPeriod"/>
+            </a:pPr>
+            <a:r>
+              <a:rPr lang="en-CA" dirty="0"/>
+              <a:t>Build a code from scratch for an example picked from someone</a:t>
+            </a:r>
+          </a:p>
+        </p:txBody>
+      </p:sp>
+    </p:spTree>
+    <p:extLst>
+      <p:ext uri="{BB962C8B-B14F-4D97-AF65-F5344CB8AC3E}">
+        <p14:creationId xmlns:p14="http://schemas.microsoft.com/office/powerpoint/2010/main" val="269710224"/>
+      </p:ext>
+    </p:extLst>
+  </p:cSld>
+  <p:clrMapOvr>
+    <a:masterClrMapping/>
+  </p:clrMapOvr>
+</p:sld>
+</file>
+
 <file path=ppt/slides/slide2.xml><?xml version="1.0" encoding="utf-8"?>
 <p:sld xmlns:a="http://schemas.openxmlformats.org/drawingml/2006/main" xmlns:r="http://schemas.openxmlformats.org/officeDocument/2006/relationships" xmlns:p="http://schemas.openxmlformats.org/presentationml/2006/main">
   <p:cSld>
